--- a/301-자바스크립트 시작하기/301-4.코드_컨벤션.pptx
+++ b/301-자바스크립트 시작하기/301-4.코드_컨벤션.pptx
@@ -3916,7 +3916,7 @@
               </a:rPr>
               <a:t>프로그래밍</a:t>
             </a:r>
-            <a:endParaRPr sz="2800">
+            <a:endParaRPr sz="2800" dirty="0">
               <a:latin typeface="나눔고딕"/>
               <a:cs typeface="나눔고딕"/>
             </a:endParaRPr>
@@ -4020,7 +4020,7 @@
               </a:rPr>
               <a:t>약속</a:t>
             </a:r>
-            <a:endParaRPr sz="2400">
+            <a:endParaRPr sz="2400" dirty="0">
               <a:latin typeface="나눔고딕 ExtraBold"/>
               <a:cs typeface="나눔고딕 ExtraBold"/>
             </a:endParaRPr>
@@ -4216,7 +4216,7 @@
               </a:rPr>
               <a:t>.</a:t>
             </a:r>
-            <a:endParaRPr sz="2400">
+            <a:endParaRPr sz="2400" dirty="0">
               <a:latin typeface="한컴산뜻돋움"/>
               <a:cs typeface="한컴산뜻돋움"/>
             </a:endParaRPr>
@@ -6057,45 +6057,6 @@
           </a:p>
         </p:txBody>
       </p:sp>
-      <p:sp>
-        <p:nvSpPr>
-          <p:cNvPr id="14" name="TextBox 13">
-            <a:extLst>
-              <a:ext uri="{FF2B5EF4-FFF2-40B4-BE49-F238E27FC236}">
-                <a16:creationId xmlns:a16="http://schemas.microsoft.com/office/drawing/2014/main" id="{DE9244D3-F417-725B-6C34-1886DBA35A6C}"/>
-              </a:ext>
-            </a:extLst>
-          </p:cNvPr>
-          <p:cNvSpPr txBox="1"/>
-          <p:nvPr/>
-        </p:nvSpPr>
-        <p:spPr>
-          <a:xfrm>
-            <a:off x="306647" y="319086"/>
-            <a:ext cx="9299995" cy="707886"/>
-          </a:xfrm>
-          <a:prstGeom prst="rect">
-            <a:avLst/>
-          </a:prstGeom>
-          <a:noFill/>
-        </p:spPr>
-        <p:txBody>
-          <a:bodyPr wrap="square">
-            <a:spAutoFit/>
-          </a:bodyPr>
-          <a:lstStyle/>
-          <a:p>
-            <a:r>
-              <a:rPr lang="ko-KR" altLang="en-US" sz="4000" dirty="0">
-                <a:latin typeface="KoPubWorld돋움체 Bold" panose="00000800000000000000" pitchFamily="2" charset="-127"/>
-                <a:ea typeface="KoPubWorld돋움체 Bold" panose="00000800000000000000" pitchFamily="2" charset="-127"/>
-                <a:cs typeface="KoPubWorld돋움체 Bold" panose="00000800000000000000" pitchFamily="2" charset="-127"/>
-              </a:rPr>
-              <a:t>객체 방식 프로그래밍</a:t>
-            </a:r>
-          </a:p>
-        </p:txBody>
-      </p:sp>
     </p:spTree>
   </p:cSld>
   <p:clrMapOvr>
@@ -6121,70 +6082,6 @@
           <a:chExt cx="0" cy="0"/>
         </a:xfrm>
       </p:grpSpPr>
-      <p:sp>
-        <p:nvSpPr>
-          <p:cNvPr id="2" name="object 2"/>
-          <p:cNvSpPr txBox="1">
-            <a:spLocks noGrp="1"/>
-          </p:cNvSpPr>
-          <p:nvPr>
-            <p:ph type="title"/>
-          </p:nvPr>
-        </p:nvSpPr>
-        <p:spPr>
-          <a:xfrm>
-            <a:off x="78739" y="22838"/>
-            <a:ext cx="3721100" cy="452120"/>
-          </a:xfrm>
-          <a:prstGeom prst="rect">
-            <a:avLst/>
-          </a:prstGeom>
-        </p:spPr>
-        <p:txBody>
-          <a:bodyPr vert="horz" wrap="square" lIns="0" tIns="12065" rIns="0" bIns="0" rtlCol="0">
-            <a:spAutoFit/>
-          </a:bodyPr>
-          <a:lstStyle/>
-          <a:p>
-            <a:pPr marL="12700">
-              <a:lnSpc>
-                <a:spcPct val="100000"/>
-              </a:lnSpc>
-              <a:spcBef>
-                <a:spcPts val="95"/>
-              </a:spcBef>
-            </a:pPr>
-            <a:r>
-              <a:rPr spc="-70" dirty="0"/>
-              <a:t>03.</a:t>
-            </a:r>
-            <a:r>
-              <a:rPr spc="-110" dirty="0"/>
-              <a:t> </a:t>
-            </a:r>
-            <a:r>
-              <a:rPr spc="-95" dirty="0"/>
-              <a:t>객체</a:t>
-            </a:r>
-            <a:r>
-              <a:rPr spc="-100" dirty="0"/>
-              <a:t> </a:t>
-            </a:r>
-            <a:r>
-              <a:rPr spc="-95" dirty="0"/>
-              <a:t>방식</a:t>
-            </a:r>
-            <a:r>
-              <a:rPr spc="-105" dirty="0"/>
-              <a:t> </a:t>
-            </a:r>
-            <a:r>
-              <a:rPr spc="-55" dirty="0"/>
-              <a:t>프로그래밍</a:t>
-            </a:r>
-          </a:p>
-        </p:txBody>
-      </p:sp>
       <p:grpSp>
         <p:nvGrpSpPr>
           <p:cNvPr id="3" name="object 3"/>
@@ -10763,45 +10660,6 @@
               <a:latin typeface="한컴산뜻돋움"/>
               <a:cs typeface="한컴산뜻돋움"/>
             </a:endParaRPr>
-          </a:p>
-        </p:txBody>
-      </p:sp>
-      <p:sp>
-        <p:nvSpPr>
-          <p:cNvPr id="12" name="TextBox 11">
-            <a:extLst>
-              <a:ext uri="{FF2B5EF4-FFF2-40B4-BE49-F238E27FC236}">
-                <a16:creationId xmlns:a16="http://schemas.microsoft.com/office/drawing/2014/main" id="{214796CC-DC70-0883-6359-CC69943C6A50}"/>
-              </a:ext>
-            </a:extLst>
-          </p:cNvPr>
-          <p:cNvSpPr txBox="1"/>
-          <p:nvPr/>
-        </p:nvSpPr>
-        <p:spPr>
-          <a:xfrm>
-            <a:off x="306647" y="319086"/>
-            <a:ext cx="9299995" cy="707886"/>
-          </a:xfrm>
-          <a:prstGeom prst="rect">
-            <a:avLst/>
-          </a:prstGeom>
-          <a:noFill/>
-        </p:spPr>
-        <p:txBody>
-          <a:bodyPr wrap="square">
-            <a:spAutoFit/>
-          </a:bodyPr>
-          <a:lstStyle/>
-          <a:p>
-            <a:r>
-              <a:rPr lang="ko-KR" altLang="en-US" sz="4000" dirty="0">
-                <a:latin typeface="KoPubWorld돋움체 Bold" panose="00000800000000000000" pitchFamily="2" charset="-127"/>
-                <a:ea typeface="KoPubWorld돋움체 Bold" panose="00000800000000000000" pitchFamily="2" charset="-127"/>
-                <a:cs typeface="KoPubWorld돋움체 Bold" panose="00000800000000000000" pitchFamily="2" charset="-127"/>
-              </a:rPr>
-              <a:t>객체 방식 프로그래밍</a:t>
-            </a:r>
           </a:p>
         </p:txBody>
       </p:sp>
@@ -28158,7 +28016,7 @@
         </p:nvSpPr>
         <p:spPr>
           <a:xfrm>
-            <a:off x="306647" y="1280049"/>
+            <a:off x="399176" y="1383463"/>
             <a:ext cx="3984171" cy="923330"/>
           </a:xfrm>
           <a:prstGeom prst="rect">
@@ -29002,8 +28860,8 @@
         </p:nvSpPr>
         <p:spPr>
           <a:xfrm>
-            <a:off x="306647" y="319086"/>
-            <a:ext cx="9299995" cy="707886"/>
+            <a:off x="306648" y="319086"/>
+            <a:ext cx="4586482" cy="707886"/>
           </a:xfrm>
           <a:prstGeom prst="rect">
             <a:avLst/>
@@ -29220,191 +29078,243 @@
           </a:lstStyle>
           <a:p>
             <a:r>
-              <a:rPr lang="ko-KR" altLang="en-US" sz="1800"/>
+              <a:rPr lang="ko-KR" altLang="en-US" sz="1800" dirty="0"/>
               <a:t>식별자</a:t>
             </a:r>
             <a:r>
-              <a:rPr lang="en-US" altLang="ko-KR" sz="1800"/>
+              <a:rPr lang="en-US" altLang="ko-KR" sz="1800" dirty="0"/>
               <a:t>: </a:t>
             </a:r>
             <a:r>
-              <a:rPr lang="ko-KR" altLang="en-US" sz="1800"/>
+              <a:rPr lang="ko-KR" altLang="en-US" sz="1800" dirty="0"/>
               <a:t>프로그래밍 언어에서 이름을 붙일 때 사용하는 단어</a:t>
             </a:r>
             <a:r>
-              <a:rPr lang="en-US" altLang="ko-KR" sz="1800"/>
+              <a:rPr lang="en-US" altLang="ko-KR" sz="1800" dirty="0"/>
               <a:t>. </a:t>
             </a:r>
             <a:r>
-              <a:rPr lang="ko-KR" altLang="en-US" sz="1800"/>
-              <a:t>주로 변수명이나 함수명 등으로 사용</a:t>
-            </a:r>
-            <a:endParaRPr lang="en-US" altLang="ko-KR" sz="1800"/>
+              <a:rPr lang="ko-KR" altLang="en-US" sz="1800" dirty="0"/>
+              <a:t>주로 </a:t>
+            </a:r>
+            <a:r>
+              <a:rPr lang="ko-KR" altLang="en-US" sz="1800" dirty="0">
+                <a:solidFill>
+                  <a:srgbClr val="FF0000"/>
+                </a:solidFill>
+              </a:rPr>
+              <a:t>변수명이나 </a:t>
+            </a:r>
+            <a:r>
+              <a:rPr lang="ko-KR" altLang="en-US" sz="1800" dirty="0" err="1">
+                <a:solidFill>
+                  <a:srgbClr val="FF0000"/>
+                </a:solidFill>
+              </a:rPr>
+              <a:t>함수명</a:t>
+            </a:r>
+            <a:r>
+              <a:rPr lang="ko-KR" altLang="en-US" sz="1800" dirty="0">
+                <a:solidFill>
+                  <a:srgbClr val="FF0000"/>
+                </a:solidFill>
+              </a:rPr>
+              <a:t> </a:t>
+            </a:r>
+            <a:r>
+              <a:rPr lang="ko-KR" altLang="en-US" sz="1800" dirty="0"/>
+              <a:t>등으로 사용</a:t>
+            </a:r>
+            <a:endParaRPr lang="en-US" altLang="ko-KR" sz="1800" dirty="0"/>
           </a:p>
           <a:p>
             <a:pPr lvl="2"/>
             <a:r>
-              <a:rPr lang="ko-KR" altLang="en-US"/>
+              <a:rPr lang="ko-KR" altLang="en-US" dirty="0"/>
               <a:t>키워드를 사용 안됨</a:t>
             </a:r>
-            <a:endParaRPr lang="en-US" altLang="ko-KR"/>
+            <a:endParaRPr lang="en-US" altLang="ko-KR" dirty="0"/>
           </a:p>
           <a:p>
             <a:pPr lvl="2"/>
             <a:r>
-              <a:rPr lang="ko-KR" altLang="en-US"/>
+              <a:rPr lang="ko-KR" altLang="en-US" dirty="0"/>
               <a:t>숫자로 시작 불가</a:t>
             </a:r>
-            <a:endParaRPr lang="en-US" altLang="ko-KR"/>
+            <a:endParaRPr lang="en-US" altLang="ko-KR" dirty="0"/>
           </a:p>
           <a:p>
             <a:pPr lvl="2"/>
             <a:r>
-              <a:rPr lang="ko-KR" altLang="en-US"/>
+              <a:rPr lang="ko-KR" altLang="en-US" dirty="0">
+                <a:solidFill>
+                  <a:srgbClr val="FF0000"/>
+                </a:solidFill>
+              </a:rPr>
               <a:t>특수 문자는 </a:t>
             </a:r>
             <a:r>
-              <a:rPr lang="en-US" altLang="ko-KR"/>
+              <a:rPr lang="en-US" altLang="ko-KR" dirty="0">
+                <a:solidFill>
+                  <a:srgbClr val="FF0000"/>
+                </a:solidFill>
+              </a:rPr>
               <a:t>_</a:t>
             </a:r>
             <a:r>
-              <a:rPr lang="ko-KR" altLang="en-US"/>
+              <a:rPr lang="ko-KR" altLang="en-US" dirty="0">
+                <a:solidFill>
+                  <a:srgbClr val="FF0000"/>
+                </a:solidFill>
+              </a:rPr>
               <a:t>와 </a:t>
             </a:r>
             <a:r>
-              <a:rPr lang="en-US" altLang="ko-KR"/>
+              <a:rPr lang="en-US" altLang="ko-KR" dirty="0">
+                <a:solidFill>
+                  <a:srgbClr val="FF0000"/>
+                </a:solidFill>
+              </a:rPr>
               <a:t>$</a:t>
             </a:r>
             <a:r>
-              <a:rPr lang="ko-KR" altLang="en-US"/>
+              <a:rPr lang="ko-KR" altLang="en-US" dirty="0">
+                <a:solidFill>
+                  <a:srgbClr val="FF0000"/>
+                </a:solidFill>
+              </a:rPr>
               <a:t>만 허용</a:t>
             </a:r>
-            <a:endParaRPr lang="en-US" altLang="ko-KR"/>
+            <a:endParaRPr lang="en-US" altLang="ko-KR" dirty="0">
+              <a:solidFill>
+                <a:srgbClr val="FF0000"/>
+              </a:solidFill>
+            </a:endParaRPr>
           </a:p>
           <a:p>
             <a:pPr lvl="2"/>
             <a:r>
-              <a:rPr lang="ko-KR" altLang="en-US"/>
+              <a:rPr lang="ko-KR" altLang="en-US" dirty="0"/>
               <a:t>공백 문자를 포함할 수 없음</a:t>
             </a:r>
-            <a:endParaRPr lang="en-US" altLang="ko-KR"/>
+            <a:endParaRPr lang="en-US" altLang="ko-KR" dirty="0"/>
           </a:p>
           <a:p>
             <a:pPr lvl="1"/>
             <a:r>
-              <a:rPr lang="ko-KR" altLang="en-US" sz="1600"/>
+              <a:rPr lang="ko-KR" altLang="en-US" sz="1600" dirty="0"/>
               <a:t>식별자를 만드는 일반적인 관례</a:t>
             </a:r>
-            <a:endParaRPr lang="en-US" altLang="ko-KR" sz="1600"/>
+            <a:endParaRPr lang="en-US" altLang="ko-KR" sz="1600" dirty="0"/>
           </a:p>
           <a:p>
             <a:pPr lvl="2"/>
             <a:r>
-              <a:rPr lang="ko-KR" altLang="en-US"/>
+              <a:rPr lang="ko-KR" altLang="en-US" dirty="0"/>
               <a:t>클래스</a:t>
             </a:r>
             <a:r>
-              <a:rPr lang="en-US" altLang="ko-KR"/>
+              <a:rPr lang="en-US" altLang="ko-KR" dirty="0"/>
               <a:t>(Chapter 9-1</a:t>
             </a:r>
             <a:r>
-              <a:rPr lang="ko-KR" altLang="en-US"/>
+              <a:rPr lang="ko-KR" altLang="en-US" dirty="0"/>
               <a:t> 참조</a:t>
             </a:r>
             <a:r>
-              <a:rPr lang="en-US" altLang="ko-KR"/>
+              <a:rPr lang="en-US" altLang="ko-KR" dirty="0"/>
               <a:t>)</a:t>
             </a:r>
             <a:r>
-              <a:rPr lang="ko-KR" altLang="en-US"/>
+              <a:rPr lang="ko-KR" altLang="en-US" dirty="0"/>
               <a:t>의 이름은 항상 대문자로 시작</a:t>
             </a:r>
-            <a:endParaRPr lang="en-US" altLang="ko-KR"/>
+            <a:endParaRPr lang="en-US" altLang="ko-KR" dirty="0"/>
           </a:p>
           <a:p>
             <a:pPr lvl="2"/>
             <a:r>
-              <a:rPr lang="ko-KR" altLang="en-US"/>
+              <a:rPr lang="ko-KR" altLang="en-US" dirty="0"/>
               <a:t>변수</a:t>
             </a:r>
             <a:r>
-              <a:rPr lang="en-US" altLang="ko-KR"/>
+              <a:rPr lang="en-US" altLang="ko-KR" dirty="0"/>
               <a:t>(Chapter 2-2</a:t>
             </a:r>
             <a:r>
-              <a:rPr lang="ko-KR" altLang="en-US"/>
+              <a:rPr lang="ko-KR" altLang="en-US" dirty="0"/>
               <a:t> 참조</a:t>
             </a:r>
             <a:r>
-              <a:rPr lang="en-US" altLang="ko-KR"/>
+              <a:rPr lang="en-US" altLang="ko-KR" dirty="0"/>
               <a:t>)</a:t>
             </a:r>
             <a:r>
-              <a:rPr lang="ko-KR" altLang="en-US"/>
+              <a:rPr lang="ko-KR" altLang="en-US" dirty="0"/>
               <a:t>와 인스턴스</a:t>
             </a:r>
             <a:r>
-              <a:rPr lang="en-US" altLang="ko-KR"/>
+              <a:rPr lang="en-US" altLang="ko-KR" dirty="0"/>
               <a:t>(Chapter 09-1</a:t>
             </a:r>
             <a:r>
-              <a:rPr lang="ko-KR" altLang="en-US"/>
+              <a:rPr lang="ko-KR" altLang="en-US" dirty="0"/>
               <a:t> 참조</a:t>
             </a:r>
             <a:r>
-              <a:rPr lang="en-US" altLang="ko-KR"/>
+              <a:rPr lang="en-US" altLang="ko-KR" dirty="0"/>
               <a:t>), </a:t>
             </a:r>
             <a:r>
-              <a:rPr lang="ko-KR" altLang="en-US"/>
+              <a:rPr lang="ko-KR" altLang="en-US" dirty="0"/>
               <a:t>함수</a:t>
             </a:r>
             <a:r>
-              <a:rPr lang="en-US" altLang="ko-KR"/>
+              <a:rPr lang="en-US" altLang="ko-KR" dirty="0"/>
               <a:t>(Chapter 05-1</a:t>
             </a:r>
             <a:r>
-              <a:rPr lang="ko-KR" altLang="en-US"/>
+              <a:rPr lang="ko-KR" altLang="en-US" dirty="0"/>
               <a:t> 참조</a:t>
             </a:r>
             <a:r>
-              <a:rPr lang="en-US" altLang="ko-KR"/>
+              <a:rPr lang="en-US" altLang="ko-KR" dirty="0"/>
               <a:t>), </a:t>
             </a:r>
             <a:r>
-              <a:rPr lang="ko-KR" altLang="en-US"/>
+              <a:rPr lang="ko-KR" altLang="en-US" dirty="0"/>
               <a:t>메소드</a:t>
             </a:r>
             <a:r>
-              <a:rPr lang="en-US" altLang="ko-KR"/>
+              <a:rPr lang="en-US" altLang="ko-KR" dirty="0"/>
               <a:t>(Chapter 06-1</a:t>
             </a:r>
             <a:r>
-              <a:rPr lang="ko-KR" altLang="en-US"/>
+              <a:rPr lang="ko-KR" altLang="en-US" dirty="0"/>
               <a:t> 참조</a:t>
             </a:r>
             <a:r>
-              <a:rPr lang="en-US" altLang="ko-KR"/>
+              <a:rPr lang="en-US" altLang="ko-KR" dirty="0"/>
               <a:t>)</a:t>
             </a:r>
             <a:r>
-              <a:rPr lang="ko-KR" altLang="en-US"/>
+              <a:rPr lang="ko-KR" altLang="en-US" dirty="0"/>
               <a:t>의 이름은 항상 소문자로 시작</a:t>
             </a:r>
-            <a:endParaRPr lang="en-US" altLang="ko-KR"/>
+            <a:endParaRPr lang="en-US" altLang="ko-KR" dirty="0"/>
           </a:p>
           <a:p>
             <a:pPr lvl="2"/>
             <a:r>
-              <a:rPr lang="ko-KR" altLang="en-US"/>
+              <a:rPr lang="ko-KR" altLang="en-US" dirty="0"/>
               <a:t>여러 단어로 이루어진 식별자는 각 단어의 첫 글자를 대문자</a:t>
             </a:r>
-            <a:endParaRPr lang="en-US" altLang="ko-KR"/>
+            <a:endParaRPr lang="en-US" altLang="ko-KR" dirty="0"/>
           </a:p>
           <a:p>
             <a:pPr lvl="1"/>
             <a:r>
-              <a:rPr lang="ko-KR" altLang="en-US" sz="1600"/>
+              <a:rPr lang="ko-KR" altLang="en-US" sz="1600" dirty="0"/>
               <a:t>식별자의 종류</a:t>
             </a:r>
             <a:endParaRPr lang="en-US" altLang="ko-KR" sz="1600" dirty="0"/>
@@ -30676,7 +30586,7 @@
         <p:spPr>
           <a:xfrm>
             <a:off x="455474" y="1026972"/>
-            <a:ext cx="11281052" cy="5256608"/>
+            <a:ext cx="11281052" cy="1933942"/>
           </a:xfrm>
           <a:prstGeom prst="rect">
             <a:avLst/>
@@ -30852,23 +30762,23 @@
           </a:lstStyle>
           <a:p>
             <a:r>
-              <a:rPr lang="ko-KR" altLang="en-US" sz="1800"/>
+              <a:rPr lang="ko-KR" altLang="en-US" sz="1800" dirty="0"/>
               <a:t>표현식과 문장</a:t>
             </a:r>
-            <a:endParaRPr lang="en-US" altLang="ko-KR" sz="1800"/>
+            <a:endParaRPr lang="en-US" altLang="ko-KR" sz="1800" dirty="0"/>
           </a:p>
           <a:p>
             <a:pPr lvl="1"/>
             <a:r>
-              <a:rPr lang="ko-KR" altLang="en-US" sz="1600"/>
+              <a:rPr lang="ko-KR" altLang="en-US" sz="1600" dirty="0"/>
               <a:t>표현식</a:t>
             </a:r>
             <a:r>
-              <a:rPr lang="en-US" altLang="ko-KR" sz="1600"/>
+              <a:rPr lang="en-US" altLang="ko-KR" sz="1600" dirty="0"/>
               <a:t>: </a:t>
             </a:r>
             <a:r>
-              <a:rPr lang="ko-KR" altLang="en-US" sz="1600">
+              <a:rPr lang="ko-KR" altLang="en-US" sz="1600" dirty="0">
                 <a:solidFill>
                   <a:srgbClr val="000000"/>
                 </a:solidFill>
@@ -30876,7 +30786,7 @@
               </a:rPr>
               <a:t>자바스크립트에서 값을 만들어내는 간단한 코드</a:t>
             </a:r>
-            <a:endParaRPr lang="en-US" altLang="ko-KR" sz="1600">
+            <a:endParaRPr lang="en-US" altLang="ko-KR" sz="1600" dirty="0">
               <a:solidFill>
                 <a:srgbClr val="000000"/>
               </a:solidFill>
@@ -30886,7 +30796,7 @@
           <a:p>
             <a:pPr lvl="1"/>
             <a:r>
-              <a:rPr lang="ko-KR" altLang="en-US" sz="1600">
+              <a:rPr lang="ko-KR" altLang="en-US" sz="1600" dirty="0">
                 <a:solidFill>
                   <a:srgbClr val="000000"/>
                 </a:solidFill>
@@ -30895,7 +30805,7 @@
               <a:t>문장</a:t>
             </a:r>
             <a:r>
-              <a:rPr lang="en-US" altLang="ko-KR" sz="1600">
+              <a:rPr lang="en-US" altLang="ko-KR" sz="1600" dirty="0">
                 <a:solidFill>
                   <a:srgbClr val="000000"/>
                 </a:solidFill>
@@ -30904,7 +30814,7 @@
               <a:t>: </a:t>
             </a:r>
             <a:r>
-              <a:rPr lang="ko-KR" altLang="en-US" sz="1600">
+              <a:rPr lang="ko-KR" altLang="en-US" sz="1600" dirty="0">
                 <a:solidFill>
                   <a:srgbClr val="000000"/>
                 </a:solidFill>
@@ -30913,7 +30823,7 @@
               <a:t>하나 이상의 표현식이 모여 문장</a:t>
             </a:r>
             <a:r>
-              <a:rPr lang="en-US" altLang="ko-KR" sz="1600">
+              <a:rPr lang="en-US" altLang="ko-KR" sz="1600" dirty="0">
                 <a:solidFill>
                   <a:srgbClr val="000000"/>
                 </a:solidFill>
@@ -30922,7 +30832,7 @@
               <a:t>(statement)</a:t>
             </a:r>
             <a:r>
-              <a:rPr lang="ko-KR" altLang="en-US" sz="1600">
+              <a:rPr lang="ko-KR" altLang="en-US" sz="1600" dirty="0">
                 <a:solidFill>
                   <a:srgbClr val="000000"/>
                 </a:solidFill>
@@ -30931,7 +30841,7 @@
               <a:t>을 구성</a:t>
             </a:r>
             <a:r>
-              <a:rPr lang="en-US" altLang="ko-KR" sz="1600">
+              <a:rPr lang="en-US" altLang="ko-KR" sz="1600" dirty="0">
                 <a:solidFill>
                   <a:srgbClr val="000000"/>
                 </a:solidFill>
@@ -30940,7 +30850,7 @@
               <a:t>. </a:t>
             </a:r>
             <a:r>
-              <a:rPr lang="ko-KR" altLang="en-US" sz="1600">
+              <a:rPr lang="ko-KR" altLang="en-US" sz="1600" dirty="0">
                 <a:solidFill>
                   <a:srgbClr val="000000"/>
                 </a:solidFill>
@@ -30949,7 +30859,7 @@
               <a:t>문장 끝에는 마침표를 찍듯이 세미콜론</a:t>
             </a:r>
             <a:r>
-              <a:rPr lang="en-US" altLang="ko-KR" sz="1600">
+              <a:rPr lang="en-US" altLang="ko-KR" sz="1600" dirty="0">
                 <a:solidFill>
                   <a:srgbClr val="000000"/>
                 </a:solidFill>
@@ -30958,15 +30868,33 @@
               <a:t>(;) </a:t>
             </a:r>
             <a:r>
-              <a:rPr lang="ko-KR" altLang="en-US" sz="1600">
+              <a:rPr lang="ko-KR" altLang="en-US" sz="1600" dirty="0">
                 <a:solidFill>
                   <a:srgbClr val="000000"/>
                 </a:solidFill>
                 <a:latin typeface="YoonV YoonMyungjo100Std_OTF"/>
               </a:rPr>
-              <a:t>또는 줄바꿈을 넣어서 문장의 종결을 나타냄</a:t>
-            </a:r>
-            <a:endParaRPr lang="en-US" altLang="ko-KR" sz="1600">
+              <a:t>또는 </a:t>
+            </a:r>
+            <a:r>
+              <a:rPr lang="ko-KR" altLang="en-US" sz="1600" dirty="0" err="1">
+                <a:solidFill>
+                  <a:srgbClr val="000000"/>
+                </a:solidFill>
+                <a:latin typeface="YoonV YoonMyungjo100Std_OTF"/>
+              </a:rPr>
+              <a:t>줄바꿈을</a:t>
+            </a:r>
+            <a:r>
+              <a:rPr lang="ko-KR" altLang="en-US" sz="1600" dirty="0">
+                <a:solidFill>
+                  <a:srgbClr val="000000"/>
+                </a:solidFill>
+                <a:latin typeface="YoonV YoonMyungjo100Std_OTF"/>
+              </a:rPr>
+              <a:t> 넣어서 문장의 종결을 나타냄</a:t>
+            </a:r>
+            <a:endParaRPr lang="en-US" altLang="ko-KR" sz="1600" dirty="0">
               <a:solidFill>
                 <a:srgbClr val="000000"/>
               </a:solidFill>
@@ -30976,36 +30904,76 @@
           <a:p>
             <a:pPr lvl="1"/>
             <a:r>
-              <a:rPr lang="ko-KR" altLang="en-US" sz="1600"/>
+              <a:rPr lang="ko-KR" altLang="en-US" sz="1600" dirty="0"/>
               <a:t>프로그램</a:t>
             </a:r>
             <a:r>
-              <a:rPr lang="en-US" altLang="ko-KR" sz="1600"/>
+              <a:rPr lang="en-US" altLang="ko-KR" sz="1600" dirty="0"/>
               <a:t>: </a:t>
             </a:r>
             <a:r>
-              <a:rPr lang="ko-KR" altLang="en-US" sz="1600"/>
-              <a:t>줄바꿈으로 문장을 구분해 코드를 작성</a:t>
-            </a:r>
-            <a:endParaRPr lang="en-US" altLang="ko-KR" sz="1600"/>
+              <a:rPr lang="ko-KR" altLang="en-US" sz="1600" dirty="0" err="1"/>
+              <a:t>줄바꿈으로</a:t>
+            </a:r>
+            <a:r>
+              <a:rPr lang="ko-KR" altLang="en-US" sz="1600" dirty="0"/>
+              <a:t> 문장을 구분해 코드를 작성</a:t>
+            </a:r>
+            <a:endParaRPr lang="en-US" altLang="ko-KR" sz="1600" dirty="0"/>
           </a:p>
           <a:p>
             <a:r>
-              <a:rPr lang="ko-KR" altLang="en-US" sz="1800"/>
+              <a:rPr lang="ko-KR" altLang="en-US" sz="1800" dirty="0"/>
               <a:t>키워드</a:t>
             </a:r>
             <a:r>
-              <a:rPr lang="en-US" altLang="ko-KR" sz="1800"/>
+              <a:rPr lang="en-US" altLang="ko-KR" sz="1800" dirty="0"/>
               <a:t>: </a:t>
             </a:r>
             <a:r>
-              <a:rPr lang="ko-KR" altLang="en-US" sz="1800">
+              <a:rPr lang="ko-KR" altLang="en-US" sz="1800" dirty="0">
                 <a:solidFill>
                   <a:srgbClr val="000000"/>
                 </a:solidFill>
                 <a:latin typeface="YoonV YoonMyungjo100Std_OTF"/>
               </a:rPr>
-              <a:t>자바스크립트가 처음 만들어질 때 정해놓은 특별한 의미가 있는 단어</a:t>
+              <a:t>자바스크립트가 처음 만들어질 때 </a:t>
+            </a:r>
+            <a:r>
+              <a:rPr lang="ko-KR" altLang="en-US" sz="1800" dirty="0" err="1">
+                <a:solidFill>
+                  <a:srgbClr val="000000"/>
+                </a:solidFill>
+                <a:latin typeface="YoonV YoonMyungjo100Std_OTF"/>
+              </a:rPr>
+              <a:t>정해놓은</a:t>
+            </a:r>
+            <a:r>
+              <a:rPr lang="ko-KR" altLang="en-US" sz="1800" dirty="0">
+                <a:solidFill>
+                  <a:srgbClr val="000000"/>
+                </a:solidFill>
+                <a:latin typeface="YoonV YoonMyungjo100Std_OTF"/>
+              </a:rPr>
+              <a:t> </a:t>
+            </a:r>
+            <a:r>
+              <a:rPr lang="ko-KR" altLang="en-US" sz="1800" dirty="0">
+                <a:solidFill>
+                  <a:srgbClr val="FF0000"/>
+                </a:solidFill>
+                <a:latin typeface="YoonV YoonMyungjo100Std_OTF"/>
+              </a:rPr>
+              <a:t>특별한 의미가 </a:t>
+            </a:r>
+            <a:r>
+              <a:rPr lang="ko-KR" altLang="en-US" sz="1800" dirty="0">
+                <a:solidFill>
+                  <a:srgbClr val="000000"/>
+                </a:solidFill>
+                <a:latin typeface="YoonV YoonMyungjo100Std_OTF"/>
+              </a:rPr>
+              <a:t>있는 단어</a:t>
             </a:r>
             <a:endParaRPr lang="en-US" altLang="ko-KR" sz="1800" dirty="0"/>
           </a:p>
@@ -31023,39 +30991,45 @@
           <p:cNvGraphicFramePr>
             <a:graphicFrameLocks noGrp="1"/>
           </p:cNvGraphicFramePr>
-          <p:nvPr/>
+          <p:nvPr>
+            <p:extLst>
+              <p:ext uri="{D42A27DB-BD31-4B8C-83A1-F6EECF244321}">
+                <p14:modId xmlns:p14="http://schemas.microsoft.com/office/powerpoint/2010/main" val="1957846464"/>
+              </p:ext>
+            </p:extLst>
+          </p:nvPr>
         </p:nvGraphicFramePr>
         <p:xfrm>
-          <a:off x="3489915" y="3318907"/>
-          <a:ext cx="4978400" cy="3000375"/>
+          <a:off x="1247457" y="3019550"/>
+          <a:ext cx="5436372" cy="3457449"/>
         </p:xfrm>
         <a:graphic>
           <a:graphicData uri="http://schemas.openxmlformats.org/drawingml/2006/table">
             <a:tbl>
               <a:tblPr/>
               <a:tblGrid>
-                <a:gridCol w="1244600">
+                <a:gridCol w="1359093">
                   <a:extLst>
                     <a:ext uri="{9D8B030D-6E8A-4147-A177-3AD203B41FA5}">
                       <a16:colId xmlns:a16="http://schemas.microsoft.com/office/drawing/2014/main" val="239465971"/>
                     </a:ext>
                   </a:extLst>
                 </a:gridCol>
-                <a:gridCol w="1244600">
+                <a:gridCol w="1359093">
                   <a:extLst>
                     <a:ext uri="{9D8B030D-6E8A-4147-A177-3AD203B41FA5}">
                       <a16:colId xmlns:a16="http://schemas.microsoft.com/office/drawing/2014/main" val="3332606020"/>
                     </a:ext>
                   </a:extLst>
                 </a:gridCol>
-                <a:gridCol w="1244600">
+                <a:gridCol w="1359093">
                   <a:extLst>
                     <a:ext uri="{9D8B030D-6E8A-4147-A177-3AD203B41FA5}">
                       <a16:colId xmlns:a16="http://schemas.microsoft.com/office/drawing/2014/main" val="3426317429"/>
                     </a:ext>
                   </a:extLst>
                 </a:gridCol>
-                <a:gridCol w="1244600">
+                <a:gridCol w="1359093">
                   <a:extLst>
                     <a:ext uri="{9D8B030D-6E8A-4147-A177-3AD203B41FA5}">
                       <a16:colId xmlns:a16="http://schemas.microsoft.com/office/drawing/2014/main" val="481602881"/>
@@ -31063,7 +31037,7 @@
                   </a:extLst>
                 </a:gridCol>
               </a:tblGrid>
-              <a:tr h="333375">
+              <a:tr h="384161">
                 <a:tc>
                   <a:txBody>
                     <a:bodyPr/>
@@ -31290,7 +31264,7 @@
                   </a:ext>
                 </a:extLst>
               </a:tr>
-              <a:tr h="333375">
+              <a:tr h="384161">
                 <a:tc>
                   <a:txBody>
                     <a:bodyPr/>
@@ -31408,7 +31382,7 @@
                     <a:p>
                       <a:pPr algn="ctr" fontAlgn="ctr"/>
                       <a:r>
-                        <a:rPr lang="en-US" sz="1600" b="0" i="0" u="none" strike="noStrike">
+                        <a:rPr lang="en-US" sz="1600" b="0" i="0" u="none" strike="noStrike" dirty="0">
                           <a:solidFill>
                             <a:srgbClr val="000000"/>
                           </a:solidFill>
@@ -31517,7 +31491,7 @@
                   </a:ext>
                 </a:extLst>
               </a:tr>
-              <a:tr h="333375">
+              <a:tr h="384161">
                 <a:tc>
                   <a:txBody>
                     <a:bodyPr/>
@@ -31744,7 +31718,7 @@
                   </a:ext>
                 </a:extLst>
               </a:tr>
-              <a:tr h="333375">
+              <a:tr h="384161">
                 <a:tc>
                   <a:txBody>
                     <a:bodyPr/>
@@ -31971,7 +31945,7 @@
                   </a:ext>
                 </a:extLst>
               </a:tr>
-              <a:tr h="333375">
+              <a:tr h="384161">
                 <a:tc>
                   <a:txBody>
                     <a:bodyPr/>
@@ -32198,7 +32172,7 @@
                   </a:ext>
                 </a:extLst>
               </a:tr>
-              <a:tr h="333375">
+              <a:tr h="384161">
                 <a:tc>
                   <a:txBody>
                     <a:bodyPr/>
@@ -32425,7 +32399,7 @@
                   </a:ext>
                 </a:extLst>
               </a:tr>
-              <a:tr h="333375">
+              <a:tr h="384161">
                 <a:tc>
                   <a:txBody>
                     <a:bodyPr/>
@@ -32652,7 +32626,7 @@
                   </a:ext>
                 </a:extLst>
               </a:tr>
-              <a:tr h="333375">
+              <a:tr h="384161">
                 <a:tc>
                   <a:txBody>
                     <a:bodyPr/>
@@ -32879,7 +32853,7 @@
                   </a:ext>
                 </a:extLst>
               </a:tr>
-              <a:tr h="333375">
+              <a:tr h="384161">
                 <a:tc>
                   <a:txBody>
                     <a:bodyPr/>
